--- a/documentation/Tutorial.pptx
+++ b/documentation/Tutorial.pptx
@@ -14,6 +14,8 @@
     <p:sldId id="259" r:id="rId9"/>
     <p:sldId id="260" r:id="rId10"/>
     <p:sldId id="261" r:id="rId11"/>
+    <p:sldId id="262" r:id="rId12"/>
+    <p:sldId id="263" r:id="rId13"/>
   </p:sldIdLst>
   <p:sldSz cy="5143500" cx="9144000"/>
   <p:notesSz cx="6858000" cy="9144000"/>
@@ -1241,6 +1243,204 @@
       <p:sp>
         <p:nvSpPr>
           <p:cNvPr id="85" name="Google Shape;85;g35dd2f1b08f_0_24:notes"/>
+          <p:cNvSpPr txBox="1"/>
+          <p:nvPr>
+            <p:ph idx="1" type="body"/>
+          </p:nvPr>
+        </p:nvSpPr>
+        <p:spPr>
+          <a:xfrm>
+            <a:off x="685800" y="4343400"/>
+            <a:ext cx="5486400" cy="4114800"/>
+          </a:xfrm>
+          <a:prstGeom prst="rect">
+            <a:avLst/>
+          </a:prstGeom>
+        </p:spPr>
+        <p:txBody>
+          <a:bodyPr anchorCtr="0" anchor="t" bIns="91425" lIns="91425" spcFirstLastPara="1" rIns="91425" wrap="square" tIns="91425">
+            <a:noAutofit/>
+          </a:bodyPr>
+          <a:lstStyle/>
+          <a:p>
+            <a:pPr indent="0" lvl="0" marL="0" rtl="0" algn="l">
+              <a:spcBef>
+                <a:spcPts val="0"/>
+              </a:spcBef>
+              <a:spcAft>
+                <a:spcPts val="0"/>
+              </a:spcAft>
+              <a:buNone/>
+            </a:pPr>
+            <a:r>
+              <a:t/>
+            </a:r>
+            <a:endParaRPr/>
+          </a:p>
+        </p:txBody>
+      </p:sp>
+    </p:spTree>
+  </p:cSld>
+  <p:clrMapOvr>
+    <a:masterClrMapping/>
+  </p:clrMapOvr>
+</p:notes>
+</file>
+
+<file path=ppt/notesSlides/notesSlide7.xml><?xml version="1.0" encoding="utf-8"?>
+<p:notes xmlns:a="http://schemas.openxmlformats.org/drawingml/2006/main" xmlns:r="http://schemas.openxmlformats.org/officeDocument/2006/relationships" xmlns:mc="http://schemas.openxmlformats.org/markup-compatibility/2006" xmlns:mv="urn:schemas-microsoft-com:mac:vml" xmlns:p="http://schemas.openxmlformats.org/presentationml/2006/main" xmlns:c="http://schemas.openxmlformats.org/drawingml/2006/chart" xmlns:dgm="http://schemas.openxmlformats.org/drawingml/2006/diagram" xmlns:o="urn:schemas-microsoft-com:office:office" xmlns:v="urn:schemas-microsoft-com:vml" xmlns:pvml="urn:schemas-microsoft-com:office:powerpoint" xmlns:com="http://schemas.openxmlformats.org/drawingml/2006/compatibility" xmlns:p14="http://schemas.microsoft.com/office/powerpoint/2010/main" xmlns:p15="http://schemas.microsoft.com/office/powerpoint/2012/main" xmlns:ahyp="http://schemas.microsoft.com/office/drawing/2018/hyperlinkcolor" showMasterPhAnim="0" showMasterSp="0">
+  <p:cSld>
+    <p:spTree>
+      <p:nvGrpSpPr>
+        <p:cNvPr id="88" name="Shape 88"/>
+        <p:cNvGrpSpPr/>
+        <p:nvPr/>
+      </p:nvGrpSpPr>
+      <p:grpSpPr>
+        <a:xfrm>
+          <a:off x="0" y="0"/>
+          <a:ext cx="0" cy="0"/>
+          <a:chOff x="0" y="0"/>
+          <a:chExt cx="0" cy="0"/>
+        </a:xfrm>
+      </p:grpSpPr>
+      <p:sp>
+        <p:nvSpPr>
+          <p:cNvPr id="89" name="Google Shape;89;g35dd2f1b08f_0_36:notes"/>
+          <p:cNvSpPr/>
+          <p:nvPr>
+            <p:ph idx="2" type="sldImg"/>
+          </p:nvPr>
+        </p:nvSpPr>
+        <p:spPr>
+          <a:xfrm>
+            <a:off x="381300" y="685800"/>
+            <a:ext cx="6096000" cy="3429000"/>
+          </a:xfrm>
+          <a:custGeom>
+            <a:rect b="b" l="l" r="r" t="t"/>
+            <a:pathLst>
+              <a:path extrusionOk="0" h="120000" w="120000">
+                <a:moveTo>
+                  <a:pt x="0" y="0"/>
+                </a:moveTo>
+                <a:lnTo>
+                  <a:pt x="120000" y="0"/>
+                </a:lnTo>
+                <a:lnTo>
+                  <a:pt x="120000" y="120000"/>
+                </a:lnTo>
+                <a:lnTo>
+                  <a:pt x="0" y="120000"/>
+                </a:lnTo>
+                <a:close/>
+              </a:path>
+            </a:pathLst>
+          </a:custGeom>
+        </p:spPr>
+      </p:sp>
+      <p:sp>
+        <p:nvSpPr>
+          <p:cNvPr id="90" name="Google Shape;90;g35dd2f1b08f_0_36:notes"/>
+          <p:cNvSpPr txBox="1"/>
+          <p:nvPr>
+            <p:ph idx="1" type="body"/>
+          </p:nvPr>
+        </p:nvSpPr>
+        <p:spPr>
+          <a:xfrm>
+            <a:off x="685800" y="4343400"/>
+            <a:ext cx="5486400" cy="4114800"/>
+          </a:xfrm>
+          <a:prstGeom prst="rect">
+            <a:avLst/>
+          </a:prstGeom>
+        </p:spPr>
+        <p:txBody>
+          <a:bodyPr anchorCtr="0" anchor="t" bIns="91425" lIns="91425" spcFirstLastPara="1" rIns="91425" wrap="square" tIns="91425">
+            <a:noAutofit/>
+          </a:bodyPr>
+          <a:lstStyle/>
+          <a:p>
+            <a:pPr indent="0" lvl="0" marL="0" rtl="0" algn="l">
+              <a:spcBef>
+                <a:spcPts val="0"/>
+              </a:spcBef>
+              <a:spcAft>
+                <a:spcPts val="0"/>
+              </a:spcAft>
+              <a:buNone/>
+            </a:pPr>
+            <a:r>
+              <a:t/>
+            </a:r>
+            <a:endParaRPr/>
+          </a:p>
+        </p:txBody>
+      </p:sp>
+    </p:spTree>
+  </p:cSld>
+  <p:clrMapOvr>
+    <a:masterClrMapping/>
+  </p:clrMapOvr>
+</p:notes>
+</file>
+
+<file path=ppt/notesSlides/notesSlide8.xml><?xml version="1.0" encoding="utf-8"?>
+<p:notes xmlns:a="http://schemas.openxmlformats.org/drawingml/2006/main" xmlns:r="http://schemas.openxmlformats.org/officeDocument/2006/relationships" xmlns:mc="http://schemas.openxmlformats.org/markup-compatibility/2006" xmlns:mv="urn:schemas-microsoft-com:mac:vml" xmlns:p="http://schemas.openxmlformats.org/presentationml/2006/main" xmlns:c="http://schemas.openxmlformats.org/drawingml/2006/chart" xmlns:dgm="http://schemas.openxmlformats.org/drawingml/2006/diagram" xmlns:o="urn:schemas-microsoft-com:office:office" xmlns:v="urn:schemas-microsoft-com:vml" xmlns:pvml="urn:schemas-microsoft-com:office:powerpoint" xmlns:com="http://schemas.openxmlformats.org/drawingml/2006/compatibility" xmlns:p14="http://schemas.microsoft.com/office/powerpoint/2010/main" xmlns:p15="http://schemas.microsoft.com/office/powerpoint/2012/main" xmlns:ahyp="http://schemas.microsoft.com/office/drawing/2018/hyperlinkcolor" showMasterPhAnim="0" showMasterSp="0">
+  <p:cSld>
+    <p:spTree>
+      <p:nvGrpSpPr>
+        <p:cNvPr id="94" name="Shape 94"/>
+        <p:cNvGrpSpPr/>
+        <p:nvPr/>
+      </p:nvGrpSpPr>
+      <p:grpSpPr>
+        <a:xfrm>
+          <a:off x="0" y="0"/>
+          <a:ext cx="0" cy="0"/>
+          <a:chOff x="0" y="0"/>
+          <a:chExt cx="0" cy="0"/>
+        </a:xfrm>
+      </p:grpSpPr>
+      <p:sp>
+        <p:nvSpPr>
+          <p:cNvPr id="95" name="Google Shape;95;g35edbd2d240_0_5:notes"/>
+          <p:cNvSpPr/>
+          <p:nvPr>
+            <p:ph idx="2" type="sldImg"/>
+          </p:nvPr>
+        </p:nvSpPr>
+        <p:spPr>
+          <a:xfrm>
+            <a:off x="381300" y="685800"/>
+            <a:ext cx="6096000" cy="3429000"/>
+          </a:xfrm>
+          <a:custGeom>
+            <a:rect b="b" l="l" r="r" t="t"/>
+            <a:pathLst>
+              <a:path extrusionOk="0" h="120000" w="120000">
+                <a:moveTo>
+                  <a:pt x="0" y="0"/>
+                </a:moveTo>
+                <a:lnTo>
+                  <a:pt x="120000" y="0"/>
+                </a:lnTo>
+                <a:lnTo>
+                  <a:pt x="120000" y="120000"/>
+                </a:lnTo>
+                <a:lnTo>
+                  <a:pt x="0" y="120000"/>
+                </a:lnTo>
+                <a:close/>
+              </a:path>
+            </a:pathLst>
+          </a:custGeom>
+        </p:spPr>
+      </p:sp>
+      <p:sp>
+        <p:nvSpPr>
+          <p:cNvPr id="96" name="Google Shape;96;g35edbd2d240_0_5:notes"/>
           <p:cNvSpPr txBox="1"/>
           <p:nvPr>
             <p:ph idx="1" type="body"/>
@@ -5984,7 +6184,8 @@
               <a:buNone/>
             </a:pPr>
             <a:r>
-              <a:t/>
+              <a:rPr lang="en"/>
+              <a:t>Installation</a:t>
             </a:r>
             <a:endParaRPr/>
           </a:p>
@@ -6615,7 +6816,7 @@
         </p:nvSpPr>
         <p:spPr>
           <a:xfrm>
-            <a:off x="311700" y="78950"/>
+            <a:off x="311700" y="167525"/>
             <a:ext cx="8520600" cy="2125500"/>
           </a:xfrm>
           <a:prstGeom prst="rect">
@@ -6624,11 +6825,11 @@
         </p:spPr>
         <p:txBody>
           <a:bodyPr anchorCtr="0" anchor="t" bIns="91425" lIns="91425" spcFirstLastPara="1" rIns="91425" wrap="square" tIns="91425">
-            <a:normAutofit fontScale="62500" lnSpcReduction="20000"/>
+            <a:normAutofit fontScale="92500" lnSpcReduction="10000"/>
           </a:bodyPr>
           <a:lstStyle/>
           <a:p>
-            <a:pPr indent="-300037" lvl="0" marL="457200" rtl="0" algn="l">
+            <a:pPr indent="-334327" lvl="0" marL="457200" rtl="0" algn="l">
               <a:spcBef>
                 <a:spcPts val="0"/>
               </a:spcBef>
@@ -6640,12 +6841,33 @@
             </a:pPr>
             <a:r>
               <a:rPr lang="en"/>
-              <a:t>Execute this command in the Anaconda prompt by copying it from here and right clicking in the Anaconda prompt and pressing enter:</a:t>
+              <a:t>Change your directory to the </a:t>
+            </a:r>
+            <a:r>
+              <a:rPr lang="en"/>
+              <a:t>convert_clinical_trial_gov_to_spss directory in the Anaconda prompt</a:t>
             </a:r>
             <a:endParaRPr/>
           </a:p>
           <a:p>
-            <a:pPr indent="-284162" lvl="1" marL="914400" rtl="0" algn="l">
+            <a:pPr indent="-334327" lvl="0" marL="457200" rtl="0" algn="l">
+              <a:spcBef>
+                <a:spcPts val="0"/>
+              </a:spcBef>
+              <a:spcAft>
+                <a:spcPts val="0"/>
+              </a:spcAft>
+              <a:buSzPct val="100000"/>
+              <a:buChar char="●"/>
+            </a:pPr>
+            <a:r>
+              <a:rPr lang="en"/>
+              <a:t>Tip:</a:t>
+            </a:r>
+            <a:endParaRPr/>
+          </a:p>
+          <a:p>
+            <a:pPr indent="-310832" lvl="1" marL="914400" rtl="0" algn="l">
               <a:spcBef>
                 <a:spcPts val="0"/>
               </a:spcBef>
@@ -6656,13 +6878,251 @@
               <a:buChar char="○"/>
             </a:pPr>
             <a:r>
-              <a:rPr b="1" lang="en"/>
-              <a:t>conda install -c anaconda git</a:t>
+              <a:rPr lang="en"/>
+              <a:t>Go in explorer to the parent directory of the convert_clinical_trial_gov_to_spss directory and right click on the convert_clinical_trial_gov_to_spss directory and use the “copy as path” option</a:t>
             </a:r>
-            <a:endParaRPr b="1"/>
+            <a:endParaRPr/>
           </a:p>
           <a:p>
-            <a:pPr indent="-284162" lvl="2" marL="1371600" rtl="0" algn="l">
+            <a:pPr indent="-310832" lvl="1" marL="914400" rtl="0" algn="l">
+              <a:spcBef>
+                <a:spcPts val="0"/>
+              </a:spcBef>
+              <a:spcAft>
+                <a:spcPts val="0"/>
+              </a:spcAft>
+              <a:buSzPct val="100000"/>
+              <a:buChar char="○"/>
+            </a:pPr>
+            <a:r>
+              <a:rPr lang="en"/>
+              <a:t>Then go in the anaconda prompt and type “cd “, right click in the prompt and press enter</a:t>
+            </a:r>
+            <a:endParaRPr/>
+          </a:p>
+          <a:p>
+            <a:pPr indent="-334327" lvl="0" marL="457200" rtl="0" algn="l">
+              <a:spcBef>
+                <a:spcPts val="0"/>
+              </a:spcBef>
+              <a:spcAft>
+                <a:spcPts val="0"/>
+              </a:spcAft>
+              <a:buSzPct val="100000"/>
+              <a:buChar char="●"/>
+            </a:pPr>
+            <a:r>
+              <a:rPr lang="en"/>
+              <a:t>Configure and install the necessary conda environment with this command:</a:t>
+            </a:r>
+            <a:endParaRPr/>
+          </a:p>
+          <a:p>
+            <a:pPr indent="-310832" lvl="1" marL="914400" rtl="0" algn="l">
+              <a:spcBef>
+                <a:spcPts val="0"/>
+              </a:spcBef>
+              <a:spcAft>
+                <a:spcPts val="0"/>
+              </a:spcAft>
+              <a:buSzPct val="100000"/>
+              <a:buChar char="○"/>
+            </a:pPr>
+            <a:r>
+              <a:rPr lang="en"/>
+              <a:t>conda env create -f conda_env.yml</a:t>
+            </a:r>
+            <a:endParaRPr/>
+          </a:p>
+        </p:txBody>
+      </p:sp>
+    </p:spTree>
+  </p:cSld>
+  <p:clrMapOvr>
+    <a:masterClrMapping/>
+  </p:clrMapOvr>
+</p:sld>
+</file>
+
+<file path=ppt/slides/slide7.xml><?xml version="1.0" encoding="utf-8"?>
+<p:sld xmlns:a="http://schemas.openxmlformats.org/drawingml/2006/main" xmlns:r="http://schemas.openxmlformats.org/officeDocument/2006/relationships" xmlns:mc="http://schemas.openxmlformats.org/markup-compatibility/2006" xmlns:mv="urn:schemas-microsoft-com:mac:vml" xmlns:p="http://schemas.openxmlformats.org/presentationml/2006/main" xmlns:c="http://schemas.openxmlformats.org/drawingml/2006/chart" xmlns:dgm="http://schemas.openxmlformats.org/drawingml/2006/diagram" xmlns:o="urn:schemas-microsoft-com:office:office" xmlns:v="urn:schemas-microsoft-com:vml" xmlns:pvml="urn:schemas-microsoft-com:office:powerpoint" xmlns:com="http://schemas.openxmlformats.org/drawingml/2006/compatibility" xmlns:p14="http://schemas.microsoft.com/office/powerpoint/2010/main" xmlns:p15="http://schemas.microsoft.com/office/powerpoint/2012/main" xmlns:ahyp="http://schemas.microsoft.com/office/drawing/2018/hyperlinkcolor">
+  <p:cSld>
+    <p:spTree>
+      <p:nvGrpSpPr>
+        <p:cNvPr id="91" name="Shape 91"/>
+        <p:cNvGrpSpPr/>
+        <p:nvPr/>
+      </p:nvGrpSpPr>
+      <p:grpSpPr>
+        <a:xfrm>
+          <a:off x="0" y="0"/>
+          <a:ext cx="0" cy="0"/>
+          <a:chOff x="0" y="0"/>
+          <a:chExt cx="0" cy="0"/>
+        </a:xfrm>
+      </p:grpSpPr>
+      <p:sp>
+        <p:nvSpPr>
+          <p:cNvPr id="92" name="Google Shape;92;p19"/>
+          <p:cNvSpPr txBox="1"/>
+          <p:nvPr>
+            <p:ph type="ctrTitle"/>
+          </p:nvPr>
+        </p:nvSpPr>
+        <p:spPr>
+          <a:xfrm>
+            <a:off x="311708" y="744575"/>
+            <a:ext cx="8520600" cy="2052600"/>
+          </a:xfrm>
+          <a:prstGeom prst="rect">
+            <a:avLst/>
+          </a:prstGeom>
+        </p:spPr>
+        <p:txBody>
+          <a:bodyPr anchorCtr="0" anchor="b" bIns="91425" lIns="91425" spcFirstLastPara="1" rIns="91425" wrap="square" tIns="91425">
+            <a:normAutofit/>
+          </a:bodyPr>
+          <a:lstStyle/>
+          <a:p>
+            <a:pPr indent="0" lvl="0" marL="0" rtl="0" algn="ctr">
+              <a:spcBef>
+                <a:spcPts val="0"/>
+              </a:spcBef>
+              <a:spcAft>
+                <a:spcPts val="0"/>
+              </a:spcAft>
+              <a:buNone/>
+            </a:pPr>
+            <a:r>
+              <a:rPr lang="en"/>
+              <a:t>Usage</a:t>
+            </a:r>
+            <a:endParaRPr/>
+          </a:p>
+        </p:txBody>
+      </p:sp>
+      <p:sp>
+        <p:nvSpPr>
+          <p:cNvPr id="93" name="Google Shape;93;p19"/>
+          <p:cNvSpPr txBox="1"/>
+          <p:nvPr>
+            <p:ph idx="1" type="subTitle"/>
+          </p:nvPr>
+        </p:nvSpPr>
+        <p:spPr>
+          <a:xfrm>
+            <a:off x="311700" y="2834125"/>
+            <a:ext cx="8520600" cy="792600"/>
+          </a:xfrm>
+          <a:prstGeom prst="rect">
+            <a:avLst/>
+          </a:prstGeom>
+        </p:spPr>
+        <p:txBody>
+          <a:bodyPr anchorCtr="0" anchor="t" bIns="91425" lIns="91425" spcFirstLastPara="1" rIns="91425" wrap="square" tIns="91425">
+            <a:normAutofit/>
+          </a:bodyPr>
+          <a:lstStyle/>
+          <a:p>
+            <a:pPr indent="0" lvl="0" marL="0" rtl="0" algn="ctr">
+              <a:spcBef>
+                <a:spcPts val="0"/>
+              </a:spcBef>
+              <a:spcAft>
+                <a:spcPts val="0"/>
+              </a:spcAft>
+              <a:buNone/>
+            </a:pPr>
+            <a:r>
+              <a:t/>
+            </a:r>
+            <a:endParaRPr/>
+          </a:p>
+        </p:txBody>
+      </p:sp>
+    </p:spTree>
+  </p:cSld>
+  <p:clrMapOvr>
+    <a:masterClrMapping/>
+  </p:clrMapOvr>
+</p:sld>
+</file>
+
+<file path=ppt/slides/slide8.xml><?xml version="1.0" encoding="utf-8"?>
+<p:sld xmlns:a="http://schemas.openxmlformats.org/drawingml/2006/main" xmlns:r="http://schemas.openxmlformats.org/officeDocument/2006/relationships" xmlns:mc="http://schemas.openxmlformats.org/markup-compatibility/2006" xmlns:mv="urn:schemas-microsoft-com:mac:vml" xmlns:p="http://schemas.openxmlformats.org/presentationml/2006/main" xmlns:c="http://schemas.openxmlformats.org/drawingml/2006/chart" xmlns:dgm="http://schemas.openxmlformats.org/drawingml/2006/diagram" xmlns:o="urn:schemas-microsoft-com:office:office" xmlns:v="urn:schemas-microsoft-com:vml" xmlns:pvml="urn:schemas-microsoft-com:office:powerpoint" xmlns:com="http://schemas.openxmlformats.org/drawingml/2006/compatibility" xmlns:p14="http://schemas.microsoft.com/office/powerpoint/2010/main" xmlns:p15="http://schemas.microsoft.com/office/powerpoint/2012/main" xmlns:ahyp="http://schemas.microsoft.com/office/drawing/2018/hyperlinkcolor">
+  <p:cSld>
+    <p:spTree>
+      <p:nvGrpSpPr>
+        <p:cNvPr id="97" name="Shape 97"/>
+        <p:cNvGrpSpPr/>
+        <p:nvPr/>
+      </p:nvGrpSpPr>
+      <p:grpSpPr>
+        <a:xfrm>
+          <a:off x="0" y="0"/>
+          <a:ext cx="0" cy="0"/>
+          <a:chOff x="0" y="0"/>
+          <a:chExt cx="0" cy="0"/>
+        </a:xfrm>
+      </p:grpSpPr>
+      <p:sp>
+        <p:nvSpPr>
+          <p:cNvPr id="98" name="Google Shape;98;p20"/>
+          <p:cNvSpPr txBox="1"/>
+          <p:nvPr>
+            <p:ph idx="1" type="body"/>
+          </p:nvPr>
+        </p:nvSpPr>
+        <p:spPr>
+          <a:xfrm>
+            <a:off x="311700" y="186975"/>
+            <a:ext cx="8520600" cy="3993000"/>
+          </a:xfrm>
+          <a:prstGeom prst="rect">
+            <a:avLst/>
+          </a:prstGeom>
+        </p:spPr>
+        <p:txBody>
+          <a:bodyPr anchorCtr="0" anchor="t" bIns="91425" lIns="91425" spcFirstLastPara="1" rIns="91425" wrap="square" tIns="91425">
+            <a:normAutofit fontScale="92500" lnSpcReduction="20000"/>
+          </a:bodyPr>
+          <a:lstStyle/>
+          <a:p>
+            <a:pPr indent="-334327" lvl="0" marL="457200" rtl="0" algn="l">
+              <a:spcBef>
+                <a:spcPts val="0"/>
+              </a:spcBef>
+              <a:spcAft>
+                <a:spcPts val="0"/>
+              </a:spcAft>
+              <a:buSzPct val="100000"/>
+              <a:buChar char="●"/>
+            </a:pPr>
+            <a:r>
+              <a:rPr lang="en"/>
+              <a:t>Change your directory to the convert_clinical_trial_gov_to_spss directory in the Anaconda prompt</a:t>
+            </a:r>
+            <a:endParaRPr/>
+          </a:p>
+          <a:p>
+            <a:pPr indent="-310832" lvl="1" marL="914400" rtl="0" algn="l">
+              <a:spcBef>
+                <a:spcPts val="0"/>
+              </a:spcBef>
+              <a:spcAft>
+                <a:spcPts val="0"/>
+              </a:spcAft>
+              <a:buSzPct val="100000"/>
+              <a:buChar char="○"/>
+            </a:pPr>
+            <a:r>
+              <a:rPr lang="en"/>
+              <a:t>Tip:</a:t>
+            </a:r>
+            <a:endParaRPr/>
+          </a:p>
+          <a:p>
+            <a:pPr indent="-310832" lvl="2" marL="1371600" rtl="0" algn="l">
               <a:spcBef>
                 <a:spcPts val="0"/>
               </a:spcBef>
@@ -6674,12 +7134,29 @@
             </a:pPr>
             <a:r>
               <a:rPr lang="en"/>
-              <a:t>Press enter when asked to proceed</a:t>
+              <a:t>Go in explorer to the parent directory of the convert_clinical_trial_gov_to_spss directory and right click on the convert_clinical_trial_gov_to_spss directory and use the “copy as path” option</a:t>
             </a:r>
             <a:endParaRPr/>
           </a:p>
           <a:p>
-            <a:pPr indent="-300037" lvl="0" marL="457200" rtl="0" algn="l">
+            <a:pPr indent="-310832" lvl="2" marL="1371600" rtl="0" algn="l">
+              <a:spcBef>
+                <a:spcPts val="0"/>
+              </a:spcBef>
+              <a:spcAft>
+                <a:spcPts val="0"/>
+              </a:spcAft>
+              <a:buSzPct val="100000"/>
+              <a:buChar char="■"/>
+            </a:pPr>
+            <a:r>
+              <a:rPr lang="en"/>
+              <a:t>Then go in the anaconda prompt and type “cd “, right click in the prompt and press enter</a:t>
+            </a:r>
+            <a:endParaRPr/>
+          </a:p>
+          <a:p>
+            <a:pPr indent="-334327" lvl="0" marL="457200" rtl="0" algn="l">
               <a:spcBef>
                 <a:spcPts val="0"/>
               </a:spcBef>
@@ -6691,12 +7168,12 @@
             </a:pPr>
             <a:r>
               <a:rPr lang="en"/>
-              <a:t>Go in the prompt to the location where you want to store the conversion script</a:t>
+              <a:t>Activate the necessary conda environment with this command:</a:t>
             </a:r>
             <a:endParaRPr/>
           </a:p>
           <a:p>
-            <a:pPr indent="-284162" lvl="1" marL="914400" rtl="0" algn="l">
+            <a:pPr indent="-310832" lvl="1" marL="914400" rtl="0" algn="l">
               <a:spcBef>
                 <a:spcPts val="0"/>
               </a:spcBef>
@@ -6708,29 +7185,12 @@
             </a:pPr>
             <a:r>
               <a:rPr lang="en"/>
-              <a:t>This is how you go to your Documents folder:</a:t>
+              <a:t>conda activate ctg_to_spss</a:t>
             </a:r>
             <a:endParaRPr/>
           </a:p>
           <a:p>
-            <a:pPr indent="-284162" lvl="2" marL="1371600" rtl="0" algn="l">
-              <a:spcBef>
-                <a:spcPts val="0"/>
-              </a:spcBef>
-              <a:spcAft>
-                <a:spcPts val="0"/>
-              </a:spcAft>
-              <a:buSzPct val="100000"/>
-              <a:buChar char="■"/>
-            </a:pPr>
-            <a:r>
-              <a:rPr lang="en"/>
-              <a:t>cd Documents</a:t>
-            </a:r>
-            <a:endParaRPr/>
-          </a:p>
-          <a:p>
-            <a:pPr indent="-300037" lvl="0" marL="457200" rtl="0" algn="l">
+            <a:pPr indent="-334327" lvl="0" marL="457200" rtl="0" algn="l">
               <a:spcBef>
                 <a:spcPts val="0"/>
               </a:spcBef>
@@ -6742,12 +7202,12 @@
             </a:pPr>
             <a:r>
               <a:rPr lang="en"/>
-              <a:t>There you copy this command:</a:t>
+              <a:t>Ensure you have an ‘inputs’ sub-directory with the two following files:</a:t>
             </a:r>
             <a:endParaRPr/>
           </a:p>
           <a:p>
-            <a:pPr indent="-284162" lvl="1" marL="914400" rtl="0" algn="l">
+            <a:pPr indent="-310832" lvl="1" marL="914400" rtl="0" algn="l">
               <a:spcBef>
                 <a:spcPts val="0"/>
               </a:spcBef>
@@ -6758,22 +7218,30 @@
               <a:buChar char="○"/>
             </a:pPr>
             <a:r>
-              <a:rPr b="1" lang="en"/>
-              <a:t>git clone </a:t>
-            </a:r>
-            <a:r>
-              <a:rPr b="1" lang="en" u="sng">
-                <a:solidFill>
-                  <a:schemeClr val="hlink"/>
-                </a:solidFill>
-                <a:hlinkClick r:id="rId3"/>
-              </a:rPr>
-              <a:t>https://github.com/ariken-research/convert_clinical_trial_gov_to_spss</a:t>
+              <a:rPr lang="en"/>
+              <a:t>ctg-studies.json</a:t>
             </a:r>
             <a:endParaRPr/>
           </a:p>
           <a:p>
-            <a:pPr indent="-300037" lvl="0" marL="457200" rtl="0" algn="l">
+            <a:pPr indent="-310832" lvl="1" marL="914400" rtl="0" algn="l">
+              <a:spcBef>
+                <a:spcPts val="0"/>
+              </a:spcBef>
+              <a:spcAft>
+                <a:spcPts val="0"/>
+              </a:spcAft>
+              <a:buSzPct val="100000"/>
+              <a:buChar char="○"/>
+            </a:pPr>
+            <a:r>
+              <a:rPr lang="en"/>
+              <a:t>variables.json</a:t>
+            </a:r>
+            <a:endParaRPr/>
+          </a:p>
+          <a:p>
+            <a:pPr indent="-334327" lvl="0" marL="457200" rtl="0" algn="l">
               <a:spcBef>
                 <a:spcPts val="0"/>
               </a:spcBef>
@@ -6785,12 +7253,12 @@
             </a:pPr>
             <a:r>
               <a:rPr lang="en"/>
-              <a:t>Go in the prompt in the convert_clinical_trial_gov_to_spss that just has been created</a:t>
+              <a:t>Run the conversion script with this command:</a:t>
             </a:r>
             <a:endParaRPr/>
           </a:p>
           <a:p>
-            <a:pPr indent="-284162" lvl="1" marL="914400" rtl="0" algn="l">
+            <a:pPr indent="-310832" lvl="1" marL="914400" rtl="0" algn="l">
               <a:spcBef>
                 <a:spcPts val="0"/>
               </a:spcBef>
@@ -6802,12 +7270,29 @@
             </a:pPr>
             <a:r>
               <a:rPr lang="en"/>
-              <a:t>cd convert_clinical_trial_gov_to_spss</a:t>
+              <a:t>python convert_excel_to_spss.py</a:t>
             </a:r>
             <a:endParaRPr/>
           </a:p>
           <a:p>
-            <a:pPr indent="-284162" lvl="1" marL="914400" rtl="0" algn="l">
+            <a:pPr indent="-334327" lvl="0" marL="457200" rtl="0" algn="l">
+              <a:spcBef>
+                <a:spcPts val="0"/>
+              </a:spcBef>
+              <a:spcAft>
+                <a:spcPts val="0"/>
+              </a:spcAft>
+              <a:buSzPct val="100000"/>
+              <a:buChar char="●"/>
+            </a:pPr>
+            <a:r>
+              <a:rPr lang="en"/>
+              <a:t>You should now have two new sub-directories:</a:t>
+            </a:r>
+            <a:endParaRPr/>
+          </a:p>
+          <a:p>
+            <a:pPr indent="-310832" lvl="1" marL="914400" rtl="0" algn="l">
               <a:spcBef>
                 <a:spcPts val="0"/>
               </a:spcBef>
@@ -6819,12 +7304,29 @@
             </a:pPr>
             <a:r>
               <a:rPr lang="en"/>
-              <a:t>(Tip: type ‘cd conv’ and press tab)</a:t>
+              <a:t>outputs</a:t>
             </a:r>
             <a:endParaRPr/>
           </a:p>
           <a:p>
-            <a:pPr indent="-300037" lvl="0" marL="457200" rtl="0" algn="l">
+            <a:pPr indent="-310832" lvl="1" marL="914400" rtl="0" algn="l">
+              <a:spcBef>
+                <a:spcPts val="0"/>
+              </a:spcBef>
+              <a:spcAft>
+                <a:spcPts val="0"/>
+              </a:spcAft>
+              <a:buSzPct val="100000"/>
+              <a:buChar char="○"/>
+            </a:pPr>
+            <a:r>
+              <a:rPr lang="en"/>
+              <a:t>debug_outputs</a:t>
+            </a:r>
+            <a:endParaRPr/>
+          </a:p>
+          <a:p>
+            <a:pPr indent="-334327" lvl="0" marL="457200" rtl="0" algn="l">
               <a:spcBef>
                 <a:spcPts val="0"/>
               </a:spcBef>
@@ -6835,7 +7337,25 @@
               <a:buChar char="●"/>
             </a:pPr>
             <a:r>
-              <a:t/>
+              <a:rPr lang="en"/>
+              <a:t>The SPSS file can be found in the ‘outputs’ directory with the following name:</a:t>
+            </a:r>
+            <a:endParaRPr/>
+          </a:p>
+          <a:p>
+            <a:pPr indent="-310832" lvl="1" marL="914400" rtl="0" algn="l">
+              <a:spcBef>
+                <a:spcPts val="0"/>
+              </a:spcBef>
+              <a:spcAft>
+                <a:spcPts val="0"/>
+              </a:spcAft>
+              <a:buSzPct val="100000"/>
+              <a:buChar char="○"/>
+            </a:pPr>
+            <a:r>
+              <a:rPr lang="en"/>
+              <a:t>outputs/ctg-studies.sav</a:t>
             </a:r>
             <a:endParaRPr/>
           </a:p>
